--- a/preparation/grip_instruction.pptx
+++ b/preparation/grip_instruction.pptx
@@ -8,6 +8,7 @@
     <p:sldId id="259" r:id="rId2"/>
     <p:sldId id="260" r:id="rId3"/>
     <p:sldId id="261" r:id="rId4"/>
+    <p:sldId id="262" r:id="rId5"/>
   </p:sldIdLst>
   <p:sldSz cx="12192000" cy="6858000"/>
   <p:notesSz cx="6858000" cy="9144000"/>
@@ -108,7 +109,18 @@
   </p:defaultTextStyle>
   <p:extLst>
     <p:ext uri="{EFAFB233-063F-42B5-8137-9DF3F51BA10A}">
-      <p15:sldGuideLst xmlns:p15="http://schemas.microsoft.com/office/powerpoint/2012/main" xmlns=""/>
+      <p15:sldGuideLst xmlns:p15="http://schemas.microsoft.com/office/powerpoint/2012/main">
+        <p15:guide id="1" orient="horz" pos="2160">
+          <p15:clr>
+            <a:srgbClr val="A4A3A4"/>
+          </p15:clr>
+        </p15:guide>
+        <p15:guide id="2" pos="3840">
+          <p15:clr>
+            <a:srgbClr val="A4A3A4"/>
+          </p15:clr>
+        </p15:guide>
+      </p15:sldGuideLst>
     </p:ext>
   </p:extLst>
 </p:presentation>
@@ -246,7 +258,7 @@
             <a:fld id="{56141764-9FAB-4255-BC50-44FC4EBA4AF3}" type="datetimeFigureOut">
               <a:rPr lang="zh-CN" altLang="en-US" smtClean="0"/>
               <a:pPr/>
-              <a:t>2019/2/21</a:t>
+              <a:t>2019/5/21</a:t>
             </a:fld>
             <a:endParaRPr lang="zh-CN" altLang="en-US"/>
           </a:p>
@@ -298,7 +310,7 @@
     </p:spTree>
     <p:extLst>
       <p:ext uri="{BB962C8B-B14F-4D97-AF65-F5344CB8AC3E}">
-        <p14:creationId xmlns:p14="http://schemas.microsoft.com/office/powerpoint/2010/main" xmlns="" val="3879609608"/>
+        <p14:creationId xmlns:p14="http://schemas.microsoft.com/office/powerpoint/2010/main" val="3879609608"/>
       </p:ext>
     </p:extLst>
   </p:cSld>
@@ -418,7 +430,7 @@
             <a:fld id="{56141764-9FAB-4255-BC50-44FC4EBA4AF3}" type="datetimeFigureOut">
               <a:rPr lang="zh-CN" altLang="en-US" smtClean="0"/>
               <a:pPr/>
-              <a:t>2019/2/21</a:t>
+              <a:t>2019/5/21</a:t>
             </a:fld>
             <a:endParaRPr lang="zh-CN" altLang="en-US"/>
           </a:p>
@@ -470,7 +482,7 @@
     </p:spTree>
     <p:extLst>
       <p:ext uri="{BB962C8B-B14F-4D97-AF65-F5344CB8AC3E}">
-        <p14:creationId xmlns:p14="http://schemas.microsoft.com/office/powerpoint/2010/main" xmlns="" val="2974728892"/>
+        <p14:creationId xmlns:p14="http://schemas.microsoft.com/office/powerpoint/2010/main" val="2974728892"/>
       </p:ext>
     </p:extLst>
   </p:cSld>
@@ -600,7 +612,7 @@
             <a:fld id="{56141764-9FAB-4255-BC50-44FC4EBA4AF3}" type="datetimeFigureOut">
               <a:rPr lang="zh-CN" altLang="en-US" smtClean="0"/>
               <a:pPr/>
-              <a:t>2019/2/21</a:t>
+              <a:t>2019/5/21</a:t>
             </a:fld>
             <a:endParaRPr lang="zh-CN" altLang="en-US"/>
           </a:p>
@@ -652,7 +664,7 @@
     </p:spTree>
     <p:extLst>
       <p:ext uri="{BB962C8B-B14F-4D97-AF65-F5344CB8AC3E}">
-        <p14:creationId xmlns:p14="http://schemas.microsoft.com/office/powerpoint/2010/main" xmlns="" val="425322856"/>
+        <p14:creationId xmlns:p14="http://schemas.microsoft.com/office/powerpoint/2010/main" val="425322856"/>
       </p:ext>
     </p:extLst>
   </p:cSld>
@@ -772,7 +784,7 @@
             <a:fld id="{56141764-9FAB-4255-BC50-44FC4EBA4AF3}" type="datetimeFigureOut">
               <a:rPr lang="zh-CN" altLang="en-US" smtClean="0"/>
               <a:pPr/>
-              <a:t>2019/2/21</a:t>
+              <a:t>2019/5/21</a:t>
             </a:fld>
             <a:endParaRPr lang="zh-CN" altLang="en-US"/>
           </a:p>
@@ -824,7 +836,7 @@
     </p:spTree>
     <p:extLst>
       <p:ext uri="{BB962C8B-B14F-4D97-AF65-F5344CB8AC3E}">
-        <p14:creationId xmlns:p14="http://schemas.microsoft.com/office/powerpoint/2010/main" xmlns="" val="2295940054"/>
+        <p14:creationId xmlns:p14="http://schemas.microsoft.com/office/powerpoint/2010/main" val="2295940054"/>
       </p:ext>
     </p:extLst>
   </p:cSld>
@@ -1020,7 +1032,7 @@
             <a:fld id="{56141764-9FAB-4255-BC50-44FC4EBA4AF3}" type="datetimeFigureOut">
               <a:rPr lang="zh-CN" altLang="en-US" smtClean="0"/>
               <a:pPr/>
-              <a:t>2019/2/21</a:t>
+              <a:t>2019/5/21</a:t>
             </a:fld>
             <a:endParaRPr lang="zh-CN" altLang="en-US"/>
           </a:p>
@@ -1072,7 +1084,7 @@
     </p:spTree>
     <p:extLst>
       <p:ext uri="{BB962C8B-B14F-4D97-AF65-F5344CB8AC3E}">
-        <p14:creationId xmlns:p14="http://schemas.microsoft.com/office/powerpoint/2010/main" xmlns="" val="1476533524"/>
+        <p14:creationId xmlns:p14="http://schemas.microsoft.com/office/powerpoint/2010/main" val="1476533524"/>
       </p:ext>
     </p:extLst>
   </p:cSld>
@@ -1254,7 +1266,7 @@
             <a:fld id="{56141764-9FAB-4255-BC50-44FC4EBA4AF3}" type="datetimeFigureOut">
               <a:rPr lang="zh-CN" altLang="en-US" smtClean="0"/>
               <a:pPr/>
-              <a:t>2019/2/21</a:t>
+              <a:t>2019/5/21</a:t>
             </a:fld>
             <a:endParaRPr lang="zh-CN" altLang="en-US"/>
           </a:p>
@@ -1306,7 +1318,7 @@
     </p:spTree>
     <p:extLst>
       <p:ext uri="{BB962C8B-B14F-4D97-AF65-F5344CB8AC3E}">
-        <p14:creationId xmlns:p14="http://schemas.microsoft.com/office/powerpoint/2010/main" xmlns="" val="207305704"/>
+        <p14:creationId xmlns:p14="http://schemas.microsoft.com/office/powerpoint/2010/main" val="207305704"/>
       </p:ext>
     </p:extLst>
   </p:cSld>
@@ -1623,7 +1635,7 @@
             <a:fld id="{56141764-9FAB-4255-BC50-44FC4EBA4AF3}" type="datetimeFigureOut">
               <a:rPr lang="zh-CN" altLang="en-US" smtClean="0"/>
               <a:pPr/>
-              <a:t>2019/2/21</a:t>
+              <a:t>2019/5/21</a:t>
             </a:fld>
             <a:endParaRPr lang="zh-CN" altLang="en-US"/>
           </a:p>
@@ -1675,7 +1687,7 @@
     </p:spTree>
     <p:extLst>
       <p:ext uri="{BB962C8B-B14F-4D97-AF65-F5344CB8AC3E}">
-        <p14:creationId xmlns:p14="http://schemas.microsoft.com/office/powerpoint/2010/main" xmlns="" val="1989577298"/>
+        <p14:creationId xmlns:p14="http://schemas.microsoft.com/office/powerpoint/2010/main" val="1989577298"/>
       </p:ext>
     </p:extLst>
   </p:cSld>
@@ -1743,7 +1755,7 @@
             <a:fld id="{56141764-9FAB-4255-BC50-44FC4EBA4AF3}" type="datetimeFigureOut">
               <a:rPr lang="zh-CN" altLang="en-US" smtClean="0"/>
               <a:pPr/>
-              <a:t>2019/2/21</a:t>
+              <a:t>2019/5/21</a:t>
             </a:fld>
             <a:endParaRPr lang="zh-CN" altLang="en-US"/>
           </a:p>
@@ -1795,7 +1807,7 @@
     </p:spTree>
     <p:extLst>
       <p:ext uri="{BB962C8B-B14F-4D97-AF65-F5344CB8AC3E}">
-        <p14:creationId xmlns:p14="http://schemas.microsoft.com/office/powerpoint/2010/main" xmlns="" val="233365477"/>
+        <p14:creationId xmlns:p14="http://schemas.microsoft.com/office/powerpoint/2010/main" val="233365477"/>
       </p:ext>
     </p:extLst>
   </p:cSld>
@@ -1840,7 +1852,7 @@
             <a:fld id="{56141764-9FAB-4255-BC50-44FC4EBA4AF3}" type="datetimeFigureOut">
               <a:rPr lang="zh-CN" altLang="en-US" smtClean="0"/>
               <a:pPr/>
-              <a:t>2019/2/21</a:t>
+              <a:t>2019/5/21</a:t>
             </a:fld>
             <a:endParaRPr lang="zh-CN" altLang="en-US"/>
           </a:p>
@@ -1892,7 +1904,7 @@
     </p:spTree>
     <p:extLst>
       <p:ext uri="{BB962C8B-B14F-4D97-AF65-F5344CB8AC3E}">
-        <p14:creationId xmlns:p14="http://schemas.microsoft.com/office/powerpoint/2010/main" xmlns="" val="1564826570"/>
+        <p14:creationId xmlns:p14="http://schemas.microsoft.com/office/powerpoint/2010/main" val="1564826570"/>
       </p:ext>
     </p:extLst>
   </p:cSld>
@@ -2119,7 +2131,7 @@
             <a:fld id="{56141764-9FAB-4255-BC50-44FC4EBA4AF3}" type="datetimeFigureOut">
               <a:rPr lang="zh-CN" altLang="en-US" smtClean="0"/>
               <a:pPr/>
-              <a:t>2019/2/21</a:t>
+              <a:t>2019/5/21</a:t>
             </a:fld>
             <a:endParaRPr lang="zh-CN" altLang="en-US"/>
           </a:p>
@@ -2171,7 +2183,7 @@
     </p:spTree>
     <p:extLst>
       <p:ext uri="{BB962C8B-B14F-4D97-AF65-F5344CB8AC3E}">
-        <p14:creationId xmlns:p14="http://schemas.microsoft.com/office/powerpoint/2010/main" xmlns="" val="1717139109"/>
+        <p14:creationId xmlns:p14="http://schemas.microsoft.com/office/powerpoint/2010/main" val="1717139109"/>
       </p:ext>
     </p:extLst>
   </p:cSld>
@@ -2374,7 +2386,7 @@
             <a:fld id="{56141764-9FAB-4255-BC50-44FC4EBA4AF3}" type="datetimeFigureOut">
               <a:rPr lang="zh-CN" altLang="en-US" smtClean="0"/>
               <a:pPr/>
-              <a:t>2019/2/21</a:t>
+              <a:t>2019/5/21</a:t>
             </a:fld>
             <a:endParaRPr lang="zh-CN" altLang="en-US"/>
           </a:p>
@@ -2426,7 +2438,7 @@
     </p:spTree>
     <p:extLst>
       <p:ext uri="{BB962C8B-B14F-4D97-AF65-F5344CB8AC3E}">
-        <p14:creationId xmlns:p14="http://schemas.microsoft.com/office/powerpoint/2010/main" xmlns="" val="559564874"/>
+        <p14:creationId xmlns:p14="http://schemas.microsoft.com/office/powerpoint/2010/main" val="559564874"/>
       </p:ext>
     </p:extLst>
   </p:cSld>
@@ -2589,7 +2601,7 @@
             <a:fld id="{56141764-9FAB-4255-BC50-44FC4EBA4AF3}" type="datetimeFigureOut">
               <a:rPr lang="zh-CN" altLang="en-US" smtClean="0"/>
               <a:pPr/>
-              <a:t>2019/2/21</a:t>
+              <a:t>2019/5/21</a:t>
             </a:fld>
             <a:endParaRPr lang="zh-CN" altLang="en-US"/>
           </a:p>
@@ -2677,7 +2689,7 @@
     </p:spTree>
     <p:extLst>
       <p:ext uri="{BB962C8B-B14F-4D97-AF65-F5344CB8AC3E}">
-        <p14:creationId xmlns:p14="http://schemas.microsoft.com/office/powerpoint/2010/main" xmlns="" val="358809080"/>
+        <p14:creationId xmlns:p14="http://schemas.microsoft.com/office/powerpoint/2010/main" val="358809080"/>
       </p:ext>
     </p:extLst>
   </p:cSld>
@@ -3007,7 +3019,7 @@
           <a:blip r:embed="rId2" cstate="print">
             <a:extLst>
               <a:ext uri="{28A0092B-C50C-407E-A947-70E740481C1C}">
-                <a14:useLocalDpi xmlns:a14="http://schemas.microsoft.com/office/drawing/2010/main" xmlns="" val="0"/>
+                <a14:useLocalDpi xmlns:a14="http://schemas.microsoft.com/office/drawing/2010/main" val="0"/>
               </a:ext>
             </a:extLst>
           </a:blip>
@@ -3110,7 +3122,7 @@
             <a:blip r:embed="rId3" cstate="print">
               <a:extLst>
                 <a:ext uri="{28A0092B-C50C-407E-A947-70E740481C1C}">
-                  <a14:useLocalDpi xmlns:a14="http://schemas.microsoft.com/office/drawing/2010/main" xmlns="" val="0"/>
+                  <a14:useLocalDpi xmlns:a14="http://schemas.microsoft.com/office/drawing/2010/main" val="0"/>
                 </a:ext>
               </a:extLst>
             </a:blip>
@@ -3302,7 +3314,7 @@
     </p:spTree>
     <p:extLst>
       <p:ext uri="{BB962C8B-B14F-4D97-AF65-F5344CB8AC3E}">
-        <p14:creationId xmlns:p14="http://schemas.microsoft.com/office/powerpoint/2010/main" xmlns="" val="1874260258"/>
+        <p14:creationId xmlns:p14="http://schemas.microsoft.com/office/powerpoint/2010/main" val="1874260258"/>
       </p:ext>
     </p:extLst>
   </p:cSld>
@@ -3356,8 +3368,12 @@
               <a:t>2. </a:t>
             </a:r>
             <a:r>
-              <a:rPr lang="zh-CN" altLang="en-US" sz="2000" dirty="0"/>
-              <a:t>练习。</a:t>
+              <a:rPr lang="zh-CN" altLang="en-US" sz="2000" b="1" dirty="0" smtClean="0"/>
+              <a:t>练习或训练</a:t>
+            </a:r>
+            <a:r>
+              <a:rPr lang="zh-CN" altLang="en-US" sz="2000" dirty="0" smtClean="0"/>
+              <a:t>。</a:t>
             </a:r>
             <a:endParaRPr lang="en-US" altLang="zh-CN" sz="2000" dirty="0"/>
           </a:p>
@@ -4619,7 +4635,7 @@
     </p:spTree>
     <p:extLst>
       <p:ext uri="{BB962C8B-B14F-4D97-AF65-F5344CB8AC3E}">
-        <p14:creationId xmlns:p14="http://schemas.microsoft.com/office/powerpoint/2010/main" xmlns="" val="586109943"/>
+        <p14:creationId xmlns:p14="http://schemas.microsoft.com/office/powerpoint/2010/main" val="586109943"/>
       </p:ext>
     </p:extLst>
   </p:cSld>
@@ -4672,10 +4688,10 @@
               <a:t>3. </a:t>
             </a:r>
             <a:r>
-              <a:rPr lang="zh-CN" altLang="en-US" sz="2000" dirty="0" smtClean="0"/>
+              <a:rPr lang="zh-CN" altLang="en-US" sz="2000" b="1" dirty="0" smtClean="0"/>
               <a:t>正式实验</a:t>
             </a:r>
-            <a:endParaRPr lang="en-US" altLang="zh-CN" sz="2000" dirty="0" smtClean="0"/>
+            <a:endParaRPr lang="en-US" altLang="zh-CN" sz="2000" b="1" dirty="0" smtClean="0"/>
           </a:p>
           <a:p>
             <a:r>
@@ -4695,15 +4711,7 @@
             </a:r>
             <a:r>
               <a:rPr lang="zh-CN" altLang="en-US" sz="2000" dirty="0" smtClean="0"/>
-              <a:t>拍，</a:t>
-            </a:r>
-            <a:r>
-              <a:rPr lang="zh-CN" altLang="en-US" sz="2000" dirty="0" smtClean="0"/>
-              <a:t>第四声</a:t>
-            </a:r>
-            <a:r>
-              <a:rPr lang="zh-CN" altLang="en-US" sz="2000" dirty="0" smtClean="0"/>
-              <a:t>时</a:t>
+              <a:t>拍，第四声时</a:t>
             </a:r>
             <a:r>
               <a:rPr lang="zh-CN" altLang="en-US" sz="2000" b="1" dirty="0" smtClean="0">
@@ -4783,11 +4791,7 @@
             </a:r>
             <a:r>
               <a:rPr lang="zh-CN" altLang="en-US" sz="2000" dirty="0" smtClean="0"/>
-              <a:t>要指示点变</a:t>
-            </a:r>
-            <a:r>
-              <a:rPr lang="zh-CN" altLang="en-US" sz="2000" dirty="0" smtClean="0"/>
-              <a:t>绿、在</a:t>
+              <a:t>要指示点变绿、在</a:t>
             </a:r>
             <a:r>
               <a:rPr lang="zh-CN" altLang="en-US" sz="2000" dirty="0"/>
@@ -4849,10 +4853,1272 @@
           </a:p>
         </p:txBody>
       </p:sp>
+      <p:grpSp>
+        <p:nvGrpSpPr>
+          <p:cNvPr id="3" name="组合 2"/>
+          <p:cNvGrpSpPr/>
+          <p:nvPr/>
+        </p:nvGrpSpPr>
+        <p:grpSpPr>
+          <a:xfrm>
+            <a:off x="2667896" y="3872753"/>
+            <a:ext cx="7915029" cy="2519936"/>
+            <a:chOff x="927504" y="3295135"/>
+            <a:chExt cx="9526329" cy="3065282"/>
+          </a:xfrm>
+        </p:grpSpPr>
+        <p:grpSp>
+          <p:nvGrpSpPr>
+            <p:cNvPr id="4" name="组合 3"/>
+            <p:cNvGrpSpPr/>
+            <p:nvPr/>
+          </p:nvGrpSpPr>
+          <p:grpSpPr>
+            <a:xfrm>
+              <a:off x="927504" y="3295135"/>
+              <a:ext cx="9526329" cy="2695951"/>
+              <a:chOff x="1390085" y="2196247"/>
+              <a:chExt cx="9526329" cy="2695951"/>
+            </a:xfrm>
+          </p:grpSpPr>
+          <p:grpSp>
+            <p:nvGrpSpPr>
+              <p:cNvPr id="11" name="组合 10"/>
+              <p:cNvGrpSpPr/>
+              <p:nvPr/>
+            </p:nvGrpSpPr>
+            <p:grpSpPr>
+              <a:xfrm>
+                <a:off x="1390085" y="2196247"/>
+                <a:ext cx="9526329" cy="2695951"/>
+                <a:chOff x="1096166" y="3515455"/>
+                <a:chExt cx="9526329" cy="2695951"/>
+              </a:xfrm>
+            </p:grpSpPr>
+            <p:grpSp>
+              <p:nvGrpSpPr>
+                <p:cNvPr id="18" name="组合 17"/>
+                <p:cNvGrpSpPr/>
+                <p:nvPr/>
+              </p:nvGrpSpPr>
+              <p:grpSpPr>
+                <a:xfrm>
+                  <a:off x="1096166" y="3515455"/>
+                  <a:ext cx="9526329" cy="2695951"/>
+                  <a:chOff x="1149954" y="3458000"/>
+                  <a:chExt cx="9526329" cy="2695951"/>
+                </a:xfrm>
+              </p:grpSpPr>
+              <p:grpSp>
+                <p:nvGrpSpPr>
+                  <p:cNvPr id="20" name="组合 19"/>
+                  <p:cNvGrpSpPr/>
+                  <p:nvPr/>
+                </p:nvGrpSpPr>
+                <p:grpSpPr>
+                  <a:xfrm>
+                    <a:off x="1149954" y="3458000"/>
+                    <a:ext cx="9526329" cy="2695951"/>
+                    <a:chOff x="1225259" y="3458000"/>
+                    <a:chExt cx="9526329" cy="2695951"/>
+                  </a:xfrm>
+                </p:grpSpPr>
+                <p:sp>
+                  <p:nvSpPr>
+                    <p:cNvPr id="26" name="矩形 25"/>
+                    <p:cNvSpPr/>
+                    <p:nvPr/>
+                  </p:nvSpPr>
+                  <p:spPr>
+                    <a:xfrm>
+                      <a:off x="1225259" y="3458000"/>
+                      <a:ext cx="9526329" cy="2695951"/>
+                    </a:xfrm>
+                    <a:prstGeom prst="rect">
+                      <a:avLst/>
+                    </a:prstGeom>
+                    <a:solidFill>
+                      <a:schemeClr val="bg1"/>
+                    </a:solidFill>
+                    <a:ln>
+                      <a:solidFill>
+                        <a:schemeClr val="tx1"/>
+                      </a:solidFill>
+                      <a:prstDash val="solid"/>
+                    </a:ln>
+                  </p:spPr>
+                  <p:style>
+                    <a:lnRef idx="2">
+                      <a:schemeClr val="accent1">
+                        <a:shade val="50000"/>
+                      </a:schemeClr>
+                    </a:lnRef>
+                    <a:fillRef idx="1">
+                      <a:schemeClr val="accent1"/>
+                    </a:fillRef>
+                    <a:effectRef idx="0">
+                      <a:schemeClr val="accent1"/>
+                    </a:effectRef>
+                    <a:fontRef idx="minor">
+                      <a:schemeClr val="lt1"/>
+                    </a:fontRef>
+                  </p:style>
+                  <p:txBody>
+                    <a:bodyPr rtlCol="0" anchor="ctr"/>
+                    <a:lstStyle/>
+                    <a:p>
+                      <a:pPr algn="ctr"/>
+                      <a:endParaRPr lang="zh-CN" altLang="en-US"/>
+                    </a:p>
+                  </p:txBody>
+                </p:sp>
+                <p:sp>
+                  <p:nvSpPr>
+                    <p:cNvPr id="27" name="矩形 26"/>
+                    <p:cNvSpPr/>
+                    <p:nvPr/>
+                  </p:nvSpPr>
+                  <p:spPr>
+                    <a:xfrm>
+                      <a:off x="1624405" y="4251959"/>
+                      <a:ext cx="408790" cy="1108038"/>
+                    </a:xfrm>
+                    <a:prstGeom prst="rect">
+                      <a:avLst/>
+                    </a:prstGeom>
+                    <a:ln w="28575">
+                      <a:prstDash val="dash"/>
+                    </a:ln>
+                  </p:spPr>
+                  <p:style>
+                    <a:lnRef idx="2">
+                      <a:schemeClr val="dk1"/>
+                    </a:lnRef>
+                    <a:fillRef idx="1">
+                      <a:schemeClr val="lt1"/>
+                    </a:fillRef>
+                    <a:effectRef idx="0">
+                      <a:schemeClr val="dk1"/>
+                    </a:effectRef>
+                    <a:fontRef idx="minor">
+                      <a:schemeClr val="dk1"/>
+                    </a:fontRef>
+                  </p:style>
+                  <p:txBody>
+                    <a:bodyPr rtlCol="0" anchor="ctr"/>
+                    <a:lstStyle/>
+                    <a:p>
+                      <a:pPr algn="ctr"/>
+                      <a:endParaRPr lang="zh-CN" altLang="en-US"/>
+                    </a:p>
+                  </p:txBody>
+                </p:sp>
+                <p:sp>
+                  <p:nvSpPr>
+                    <p:cNvPr id="28" name="矩形 27"/>
+                    <p:cNvSpPr/>
+                    <p:nvPr/>
+                  </p:nvSpPr>
+                  <p:spPr>
+                    <a:xfrm>
+                      <a:off x="3254867" y="4251957"/>
+                      <a:ext cx="215152" cy="1108038"/>
+                    </a:xfrm>
+                    <a:prstGeom prst="rect">
+                      <a:avLst/>
+                    </a:prstGeom>
+                    <a:solidFill>
+                      <a:schemeClr val="accent1"/>
+                    </a:solidFill>
+                    <a:ln>
+                      <a:noFill/>
+                    </a:ln>
+                  </p:spPr>
+                  <p:style>
+                    <a:lnRef idx="2">
+                      <a:schemeClr val="accent1">
+                        <a:shade val="50000"/>
+                      </a:schemeClr>
+                    </a:lnRef>
+                    <a:fillRef idx="1">
+                      <a:schemeClr val="accent1"/>
+                    </a:fillRef>
+                    <a:effectRef idx="0">
+                      <a:schemeClr val="accent1"/>
+                    </a:effectRef>
+                    <a:fontRef idx="minor">
+                      <a:schemeClr val="lt1"/>
+                    </a:fontRef>
+                  </p:style>
+                  <p:txBody>
+                    <a:bodyPr rtlCol="0" anchor="ctr"/>
+                    <a:lstStyle/>
+                    <a:p>
+                      <a:pPr algn="ctr"/>
+                      <a:endParaRPr lang="zh-CN" altLang="en-US"/>
+                    </a:p>
+                  </p:txBody>
+                </p:sp>
+                <p:sp>
+                  <p:nvSpPr>
+                    <p:cNvPr id="29" name="矩形 28"/>
+                    <p:cNvSpPr/>
+                    <p:nvPr/>
+                  </p:nvSpPr>
+                  <p:spPr>
+                    <a:xfrm>
+                      <a:off x="4115476" y="4251956"/>
+                      <a:ext cx="215152" cy="1108038"/>
+                    </a:xfrm>
+                    <a:prstGeom prst="rect">
+                      <a:avLst/>
+                    </a:prstGeom>
+                    <a:solidFill>
+                      <a:schemeClr val="accent1"/>
+                    </a:solidFill>
+                    <a:ln>
+                      <a:noFill/>
+                    </a:ln>
+                  </p:spPr>
+                  <p:style>
+                    <a:lnRef idx="2">
+                      <a:schemeClr val="accent1">
+                        <a:shade val="50000"/>
+                      </a:schemeClr>
+                    </a:lnRef>
+                    <a:fillRef idx="1">
+                      <a:schemeClr val="accent1"/>
+                    </a:fillRef>
+                    <a:effectRef idx="0">
+                      <a:schemeClr val="accent1"/>
+                    </a:effectRef>
+                    <a:fontRef idx="minor">
+                      <a:schemeClr val="lt1"/>
+                    </a:fontRef>
+                  </p:style>
+                  <p:txBody>
+                    <a:bodyPr rtlCol="0" anchor="ctr"/>
+                    <a:lstStyle/>
+                    <a:p>
+                      <a:pPr algn="ctr"/>
+                      <a:endParaRPr lang="zh-CN" altLang="en-US"/>
+                    </a:p>
+                  </p:txBody>
+                </p:sp>
+                <p:sp>
+                  <p:nvSpPr>
+                    <p:cNvPr id="30" name="矩形 29"/>
+                    <p:cNvSpPr/>
+                    <p:nvPr/>
+                  </p:nvSpPr>
+                  <p:spPr>
+                    <a:xfrm>
+                      <a:off x="4875566" y="4251956"/>
+                      <a:ext cx="215152" cy="1108038"/>
+                    </a:xfrm>
+                    <a:prstGeom prst="rect">
+                      <a:avLst/>
+                    </a:prstGeom>
+                    <a:solidFill>
+                      <a:srgbClr val="ED1C24"/>
+                    </a:solidFill>
+                    <a:ln>
+                      <a:noFill/>
+                    </a:ln>
+                  </p:spPr>
+                  <p:style>
+                    <a:lnRef idx="2">
+                      <a:schemeClr val="accent1">
+                        <a:shade val="50000"/>
+                      </a:schemeClr>
+                    </a:lnRef>
+                    <a:fillRef idx="1">
+                      <a:schemeClr val="accent1"/>
+                    </a:fillRef>
+                    <a:effectRef idx="0">
+                      <a:schemeClr val="accent1"/>
+                    </a:effectRef>
+                    <a:fontRef idx="minor">
+                      <a:schemeClr val="lt1"/>
+                    </a:fontRef>
+                  </p:style>
+                  <p:txBody>
+                    <a:bodyPr rtlCol="0" anchor="ctr"/>
+                    <a:lstStyle/>
+                    <a:p>
+                      <a:pPr algn="ctr"/>
+                      <a:endParaRPr lang="zh-CN" altLang="en-US"/>
+                    </a:p>
+                  </p:txBody>
+                </p:sp>
+                <p:sp>
+                  <p:nvSpPr>
+                    <p:cNvPr id="31" name="矩形 30"/>
+                    <p:cNvSpPr/>
+                    <p:nvPr/>
+                  </p:nvSpPr>
+                  <p:spPr>
+                    <a:xfrm>
+                      <a:off x="5736177" y="4251956"/>
+                      <a:ext cx="215152" cy="1108038"/>
+                    </a:xfrm>
+                    <a:prstGeom prst="rect">
+                      <a:avLst/>
+                    </a:prstGeom>
+                    <a:solidFill>
+                      <a:srgbClr val="ED1C24"/>
+                    </a:solidFill>
+                    <a:ln>
+                      <a:noFill/>
+                    </a:ln>
+                  </p:spPr>
+                  <p:style>
+                    <a:lnRef idx="2">
+                      <a:schemeClr val="accent1">
+                        <a:shade val="50000"/>
+                      </a:schemeClr>
+                    </a:lnRef>
+                    <a:fillRef idx="1">
+                      <a:schemeClr val="accent1"/>
+                    </a:fillRef>
+                    <a:effectRef idx="0">
+                      <a:schemeClr val="accent1"/>
+                    </a:effectRef>
+                    <a:fontRef idx="minor">
+                      <a:schemeClr val="lt1"/>
+                    </a:fontRef>
+                  </p:style>
+                  <p:txBody>
+                    <a:bodyPr rtlCol="0" anchor="ctr"/>
+                    <a:lstStyle/>
+                    <a:p>
+                      <a:pPr algn="ctr"/>
+                      <a:endParaRPr lang="zh-CN" altLang="en-US"/>
+                    </a:p>
+                  </p:txBody>
+                </p:sp>
+                <p:sp>
+                  <p:nvSpPr>
+                    <p:cNvPr id="32" name="矩形 31"/>
+                    <p:cNvSpPr/>
+                    <p:nvPr/>
+                  </p:nvSpPr>
+                  <p:spPr>
+                    <a:xfrm>
+                      <a:off x="6634657" y="4251956"/>
+                      <a:ext cx="215152" cy="1108038"/>
+                    </a:xfrm>
+                    <a:prstGeom prst="rect">
+                      <a:avLst/>
+                    </a:prstGeom>
+                    <a:solidFill>
+                      <a:srgbClr val="006F3B"/>
+                    </a:solidFill>
+                    <a:ln>
+                      <a:noFill/>
+                    </a:ln>
+                  </p:spPr>
+                  <p:style>
+                    <a:lnRef idx="2">
+                      <a:schemeClr val="accent1">
+                        <a:shade val="50000"/>
+                      </a:schemeClr>
+                    </a:lnRef>
+                    <a:fillRef idx="1">
+                      <a:schemeClr val="accent1"/>
+                    </a:fillRef>
+                    <a:effectRef idx="0">
+                      <a:schemeClr val="accent1"/>
+                    </a:effectRef>
+                    <a:fontRef idx="minor">
+                      <a:schemeClr val="lt1"/>
+                    </a:fontRef>
+                  </p:style>
+                  <p:txBody>
+                    <a:bodyPr rtlCol="0" anchor="ctr"/>
+                    <a:lstStyle/>
+                    <a:p>
+                      <a:pPr algn="ctr"/>
+                      <a:endParaRPr lang="zh-CN" altLang="en-US"/>
+                    </a:p>
+                  </p:txBody>
+                </p:sp>
+                <p:sp>
+                  <p:nvSpPr>
+                    <p:cNvPr id="33" name="矩形 32"/>
+                    <p:cNvSpPr/>
+                    <p:nvPr/>
+                  </p:nvSpPr>
+                  <p:spPr>
+                    <a:xfrm>
+                      <a:off x="7491591" y="4251956"/>
+                      <a:ext cx="215152" cy="1108038"/>
+                    </a:xfrm>
+                    <a:prstGeom prst="rect">
+                      <a:avLst/>
+                    </a:prstGeom>
+                    <a:solidFill>
+                      <a:srgbClr val="006F3B"/>
+                    </a:solidFill>
+                    <a:ln>
+                      <a:noFill/>
+                    </a:ln>
+                  </p:spPr>
+                  <p:style>
+                    <a:lnRef idx="2">
+                      <a:schemeClr val="accent1">
+                        <a:shade val="50000"/>
+                      </a:schemeClr>
+                    </a:lnRef>
+                    <a:fillRef idx="1">
+                      <a:schemeClr val="accent1"/>
+                    </a:fillRef>
+                    <a:effectRef idx="0">
+                      <a:schemeClr val="accent1"/>
+                    </a:effectRef>
+                    <a:fontRef idx="minor">
+                      <a:schemeClr val="lt1"/>
+                    </a:fontRef>
+                  </p:style>
+                  <p:txBody>
+                    <a:bodyPr rtlCol="0" anchor="ctr"/>
+                    <a:lstStyle/>
+                    <a:p>
+                      <a:pPr algn="ctr"/>
+                      <a:endParaRPr lang="zh-CN" altLang="en-US"/>
+                    </a:p>
+                  </p:txBody>
+                </p:sp>
+                <p:sp>
+                  <p:nvSpPr>
+                    <p:cNvPr id="34" name="矩形 33"/>
+                    <p:cNvSpPr/>
+                    <p:nvPr/>
+                  </p:nvSpPr>
+                  <p:spPr>
+                    <a:xfrm>
+                      <a:off x="9224004" y="4240021"/>
+                      <a:ext cx="215152" cy="1108038"/>
+                    </a:xfrm>
+                    <a:prstGeom prst="rect">
+                      <a:avLst/>
+                    </a:prstGeom>
+                    <a:solidFill>
+                      <a:srgbClr val="2E3192"/>
+                    </a:solidFill>
+                    <a:ln>
+                      <a:noFill/>
+                    </a:ln>
+                  </p:spPr>
+                  <p:style>
+                    <a:lnRef idx="2">
+                      <a:schemeClr val="accent1">
+                        <a:shade val="50000"/>
+                      </a:schemeClr>
+                    </a:lnRef>
+                    <a:fillRef idx="1">
+                      <a:schemeClr val="accent1"/>
+                    </a:fillRef>
+                    <a:effectRef idx="0">
+                      <a:schemeClr val="accent1"/>
+                    </a:effectRef>
+                    <a:fontRef idx="minor">
+                      <a:schemeClr val="lt1"/>
+                    </a:fontRef>
+                  </p:style>
+                  <p:txBody>
+                    <a:bodyPr rtlCol="0" anchor="ctr"/>
+                    <a:lstStyle/>
+                    <a:p>
+                      <a:pPr algn="ctr"/>
+                      <a:endParaRPr lang="zh-CN" altLang="en-US"/>
+                    </a:p>
+                  </p:txBody>
+                </p:sp>
+                <p:sp>
+                  <p:nvSpPr>
+                    <p:cNvPr id="35" name="矩形 34"/>
+                    <p:cNvSpPr/>
+                    <p:nvPr/>
+                  </p:nvSpPr>
+                  <p:spPr>
+                    <a:xfrm>
+                      <a:off x="10084615" y="4251956"/>
+                      <a:ext cx="215152" cy="1108038"/>
+                    </a:xfrm>
+                    <a:prstGeom prst="rect">
+                      <a:avLst/>
+                    </a:prstGeom>
+                    <a:solidFill>
+                      <a:srgbClr val="2E3192"/>
+                    </a:solidFill>
+                    <a:ln>
+                      <a:noFill/>
+                    </a:ln>
+                  </p:spPr>
+                  <p:style>
+                    <a:lnRef idx="2">
+                      <a:schemeClr val="accent1">
+                        <a:shade val="50000"/>
+                      </a:schemeClr>
+                    </a:lnRef>
+                    <a:fillRef idx="1">
+                      <a:schemeClr val="accent1"/>
+                    </a:fillRef>
+                    <a:effectRef idx="0">
+                      <a:schemeClr val="accent1"/>
+                    </a:effectRef>
+                    <a:fontRef idx="minor">
+                      <a:schemeClr val="lt1"/>
+                    </a:fontRef>
+                  </p:style>
+                  <p:txBody>
+                    <a:bodyPr rtlCol="0" anchor="ctr"/>
+                    <a:lstStyle/>
+                    <a:p>
+                      <a:pPr algn="ctr"/>
+                      <a:endParaRPr lang="zh-CN" altLang="en-US"/>
+                    </a:p>
+                  </p:txBody>
+                </p:sp>
+                <p:sp>
+                  <p:nvSpPr>
+                    <p:cNvPr id="36" name="矩形 35"/>
+                    <p:cNvSpPr/>
+                    <p:nvPr/>
+                  </p:nvSpPr>
+                  <p:spPr>
+                    <a:xfrm>
+                      <a:off x="8298414" y="4569309"/>
+                      <a:ext cx="219290" cy="473337"/>
+                    </a:xfrm>
+                    <a:prstGeom prst="rect">
+                      <a:avLst/>
+                    </a:prstGeom>
+                    <a:solidFill>
+                      <a:srgbClr val="8CC63F"/>
+                    </a:solidFill>
+                    <a:ln>
+                      <a:noFill/>
+                    </a:ln>
+                  </p:spPr>
+                  <p:style>
+                    <a:lnRef idx="2">
+                      <a:schemeClr val="accent1">
+                        <a:shade val="50000"/>
+                      </a:schemeClr>
+                    </a:lnRef>
+                    <a:fillRef idx="1">
+                      <a:schemeClr val="accent1"/>
+                    </a:fillRef>
+                    <a:effectRef idx="0">
+                      <a:schemeClr val="accent1"/>
+                    </a:effectRef>
+                    <a:fontRef idx="minor">
+                      <a:schemeClr val="lt1"/>
+                    </a:fontRef>
+                  </p:style>
+                  <p:txBody>
+                    <a:bodyPr rtlCol="0" anchor="ctr"/>
+                    <a:lstStyle/>
+                    <a:p>
+                      <a:pPr algn="ctr"/>
+                      <a:endParaRPr lang="zh-CN" altLang="en-US"/>
+                    </a:p>
+                  </p:txBody>
+                </p:sp>
+              </p:grpSp>
+              <p:sp>
+                <p:nvSpPr>
+                  <p:cNvPr id="21" name="文本框 20"/>
+                  <p:cNvSpPr txBox="1"/>
+                  <p:nvPr/>
+                </p:nvSpPr>
+                <p:spPr>
+                  <a:xfrm>
+                    <a:off x="3552404" y="3667181"/>
+                    <a:ext cx="419522" cy="584775"/>
+                  </a:xfrm>
+                  <a:prstGeom prst="rect">
+                    <a:avLst/>
+                  </a:prstGeom>
+                  <a:noFill/>
+                </p:spPr>
+                <p:txBody>
+                  <a:bodyPr wrap="square" rtlCol="0">
+                    <a:spAutoFit/>
+                  </a:bodyPr>
+                  <a:lstStyle/>
+                  <a:p>
+                    <a:r>
+                      <a:rPr lang="en-US" altLang="zh-CN" sz="3200" dirty="0" smtClean="0"/>
+                      <a:t>4</a:t>
+                    </a:r>
+                    <a:endParaRPr lang="zh-CN" altLang="en-US" sz="3200" dirty="0"/>
+                  </a:p>
+                </p:txBody>
+              </p:sp>
+              <p:sp>
+                <p:nvSpPr>
+                  <p:cNvPr id="22" name="文本框 21"/>
+                  <p:cNvSpPr txBox="1"/>
+                  <p:nvPr/>
+                </p:nvSpPr>
+                <p:spPr>
+                  <a:xfrm>
+                    <a:off x="5155290" y="3667181"/>
+                    <a:ext cx="419522" cy="584775"/>
+                  </a:xfrm>
+                  <a:prstGeom prst="rect">
+                    <a:avLst/>
+                  </a:prstGeom>
+                  <a:noFill/>
+                </p:spPr>
+                <p:txBody>
+                  <a:bodyPr wrap="square" rtlCol="0">
+                    <a:spAutoFit/>
+                  </a:bodyPr>
+                  <a:lstStyle/>
+                  <a:p>
+                    <a:r>
+                      <a:rPr lang="en-US" altLang="zh-CN" sz="3200" dirty="0"/>
+                      <a:t>1</a:t>
+                    </a:r>
+                    <a:endParaRPr lang="zh-CN" altLang="en-US" sz="3200" dirty="0"/>
+                  </a:p>
+                </p:txBody>
+              </p:sp>
+              <p:sp>
+                <p:nvSpPr>
+                  <p:cNvPr id="23" name="文本框 22"/>
+                  <p:cNvSpPr txBox="1"/>
+                  <p:nvPr/>
+                </p:nvSpPr>
+                <p:spPr>
+                  <a:xfrm>
+                    <a:off x="6919545" y="3655247"/>
+                    <a:ext cx="419522" cy="584775"/>
+                  </a:xfrm>
+                  <a:prstGeom prst="rect">
+                    <a:avLst/>
+                  </a:prstGeom>
+                  <a:noFill/>
+                </p:spPr>
+                <p:txBody>
+                  <a:bodyPr wrap="square" rtlCol="0">
+                    <a:spAutoFit/>
+                  </a:bodyPr>
+                  <a:lstStyle/>
+                  <a:p>
+                    <a:r>
+                      <a:rPr lang="en-US" altLang="zh-CN" sz="3200" dirty="0" smtClean="0"/>
+                      <a:t>3</a:t>
+                    </a:r>
+                    <a:endParaRPr lang="zh-CN" altLang="en-US" sz="3200" dirty="0"/>
+                  </a:p>
+                </p:txBody>
+              </p:sp>
+              <p:sp>
+                <p:nvSpPr>
+                  <p:cNvPr id="24" name="文本框 23"/>
+                  <p:cNvSpPr txBox="1"/>
+                  <p:nvPr/>
+                </p:nvSpPr>
+                <p:spPr>
+                  <a:xfrm>
+                    <a:off x="9514482" y="3655246"/>
+                    <a:ext cx="419522" cy="584775"/>
+                  </a:xfrm>
+                  <a:prstGeom prst="rect">
+                    <a:avLst/>
+                  </a:prstGeom>
+                  <a:noFill/>
+                </p:spPr>
+                <p:txBody>
+                  <a:bodyPr wrap="square" rtlCol="0">
+                    <a:spAutoFit/>
+                  </a:bodyPr>
+                  <a:lstStyle/>
+                  <a:p>
+                    <a:r>
+                      <a:rPr lang="en-US" altLang="zh-CN" sz="3200" dirty="0" smtClean="0"/>
+                      <a:t>2</a:t>
+                    </a:r>
+                    <a:endParaRPr lang="zh-CN" altLang="en-US" sz="3200" dirty="0"/>
+                  </a:p>
+                </p:txBody>
+              </p:sp>
+              <p:sp>
+                <p:nvSpPr>
+                  <p:cNvPr id="25" name="文本框 24"/>
+                  <p:cNvSpPr txBox="1"/>
+                  <p:nvPr/>
+                </p:nvSpPr>
+                <p:spPr>
+                  <a:xfrm>
+                    <a:off x="8115785" y="3667180"/>
+                    <a:ext cx="419522" cy="584775"/>
+                  </a:xfrm>
+                  <a:prstGeom prst="rect">
+                    <a:avLst/>
+                  </a:prstGeom>
+                  <a:noFill/>
+                </p:spPr>
+                <p:txBody>
+                  <a:bodyPr wrap="square" rtlCol="0">
+                    <a:spAutoFit/>
+                  </a:bodyPr>
+                  <a:lstStyle/>
+                  <a:p>
+                    <a:r>
+                      <a:rPr lang="en-US" altLang="zh-CN" sz="3200" dirty="0"/>
+                      <a:t>5</a:t>
+                    </a:r>
+                    <a:endParaRPr lang="zh-CN" altLang="en-US" sz="3200" dirty="0"/>
+                  </a:p>
+                </p:txBody>
+              </p:sp>
+            </p:grpSp>
+            <p:sp>
+              <p:nvSpPr>
+                <p:cNvPr id="19" name="矩形 18"/>
+                <p:cNvSpPr/>
+                <p:nvPr/>
+              </p:nvSpPr>
+              <p:spPr>
+                <a:xfrm>
+                  <a:off x="1602889" y="4787153"/>
+                  <a:ext cx="182880" cy="172122"/>
+                </a:xfrm>
+                <a:prstGeom prst="rect">
+                  <a:avLst/>
+                </a:prstGeom>
+              </p:spPr>
+              <p:style>
+                <a:lnRef idx="3">
+                  <a:schemeClr val="lt1"/>
+                </a:lnRef>
+                <a:fillRef idx="1">
+                  <a:schemeClr val="dk1"/>
+                </a:fillRef>
+                <a:effectRef idx="1">
+                  <a:schemeClr val="dk1"/>
+                </a:effectRef>
+                <a:fontRef idx="minor">
+                  <a:schemeClr val="lt1"/>
+                </a:fontRef>
+              </p:style>
+              <p:txBody>
+                <a:bodyPr rtlCol="0" anchor="ctr"/>
+                <a:lstStyle/>
+                <a:p>
+                  <a:pPr algn="ctr"/>
+                  <a:endParaRPr lang="zh-CN" altLang="en-US"/>
+                </a:p>
+              </p:txBody>
+            </p:sp>
+          </p:grpSp>
+          <p:sp>
+            <p:nvSpPr>
+              <p:cNvPr id="12" name="文本框 11"/>
+              <p:cNvSpPr txBox="1"/>
+              <p:nvPr/>
+            </p:nvSpPr>
+            <p:spPr>
+              <a:xfrm>
+                <a:off x="1654759" y="4267578"/>
+                <a:ext cx="1086523" cy="369332"/>
+              </a:xfrm>
+              <a:prstGeom prst="rect">
+                <a:avLst/>
+              </a:prstGeom>
+              <a:noFill/>
+            </p:spPr>
+            <p:txBody>
+              <a:bodyPr wrap="square" rtlCol="0">
+                <a:spAutoFit/>
+              </a:bodyPr>
+              <a:lstStyle/>
+              <a:p>
+                <a:r>
+                  <a:rPr lang="zh-CN" altLang="en-US" dirty="0"/>
+                  <a:t>起点</a:t>
+                </a:r>
+              </a:p>
+            </p:txBody>
+          </p:sp>
+          <p:sp>
+            <p:nvSpPr>
+              <p:cNvPr id="13" name="文本框 12"/>
+              <p:cNvSpPr txBox="1"/>
+              <p:nvPr/>
+            </p:nvSpPr>
+            <p:spPr>
+              <a:xfrm>
+                <a:off x="5406264" y="3455401"/>
+                <a:ext cx="1086523" cy="369332"/>
+              </a:xfrm>
+              <a:prstGeom prst="rect">
+                <a:avLst/>
+              </a:prstGeom>
+              <a:noFill/>
+            </p:spPr>
+            <p:txBody>
+              <a:bodyPr wrap="square" rtlCol="0">
+                <a:spAutoFit/>
+              </a:bodyPr>
+              <a:lstStyle/>
+              <a:p>
+                <a:r>
+                  <a:rPr lang="zh-CN" altLang="en-US" dirty="0"/>
+                  <a:t>门</a:t>
+                </a:r>
+              </a:p>
+            </p:txBody>
+          </p:sp>
+          <p:sp>
+            <p:nvSpPr>
+              <p:cNvPr id="14" name="文本框 13"/>
+              <p:cNvSpPr txBox="1"/>
+              <p:nvPr/>
+            </p:nvSpPr>
+            <p:spPr>
+              <a:xfrm>
+                <a:off x="3704975" y="3467945"/>
+                <a:ext cx="1086523" cy="369332"/>
+              </a:xfrm>
+              <a:prstGeom prst="rect">
+                <a:avLst/>
+              </a:prstGeom>
+              <a:noFill/>
+            </p:spPr>
+            <p:txBody>
+              <a:bodyPr wrap="square" rtlCol="0">
+                <a:spAutoFit/>
+              </a:bodyPr>
+              <a:lstStyle/>
+              <a:p>
+                <a:r>
+                  <a:rPr lang="zh-CN" altLang="en-US" dirty="0"/>
+                  <a:t>门</a:t>
+                </a:r>
+              </a:p>
+            </p:txBody>
+          </p:sp>
+          <p:sp>
+            <p:nvSpPr>
+              <p:cNvPr id="15" name="文本框 14"/>
+              <p:cNvSpPr txBox="1"/>
+              <p:nvPr/>
+            </p:nvSpPr>
+            <p:spPr>
+              <a:xfrm>
+                <a:off x="7159676" y="3467945"/>
+                <a:ext cx="1086523" cy="369332"/>
+              </a:xfrm>
+              <a:prstGeom prst="rect">
+                <a:avLst/>
+              </a:prstGeom>
+              <a:noFill/>
+            </p:spPr>
+            <p:txBody>
+              <a:bodyPr wrap="square" rtlCol="0">
+                <a:spAutoFit/>
+              </a:bodyPr>
+              <a:lstStyle/>
+              <a:p>
+                <a:r>
+                  <a:rPr lang="zh-CN" altLang="en-US" dirty="0"/>
+                  <a:t>门</a:t>
+                </a:r>
+              </a:p>
+            </p:txBody>
+          </p:sp>
+          <p:sp>
+            <p:nvSpPr>
+              <p:cNvPr id="16" name="文本框 15"/>
+              <p:cNvSpPr txBox="1"/>
+              <p:nvPr/>
+            </p:nvSpPr>
+            <p:spPr>
+              <a:xfrm>
+                <a:off x="9744048" y="3450202"/>
+                <a:ext cx="1086523" cy="369332"/>
+              </a:xfrm>
+              <a:prstGeom prst="rect">
+                <a:avLst/>
+              </a:prstGeom>
+              <a:noFill/>
+            </p:spPr>
+            <p:txBody>
+              <a:bodyPr wrap="square" rtlCol="0">
+                <a:spAutoFit/>
+              </a:bodyPr>
+              <a:lstStyle/>
+              <a:p>
+                <a:r>
+                  <a:rPr lang="zh-CN" altLang="en-US" dirty="0"/>
+                  <a:t>门</a:t>
+                </a:r>
+              </a:p>
+            </p:txBody>
+          </p:sp>
+          <p:sp>
+            <p:nvSpPr>
+              <p:cNvPr id="17" name="文本框 16"/>
+              <p:cNvSpPr txBox="1"/>
+              <p:nvPr/>
+            </p:nvSpPr>
+            <p:spPr>
+              <a:xfrm>
+                <a:off x="8305769" y="4267578"/>
+                <a:ext cx="1086523" cy="369332"/>
+              </a:xfrm>
+              <a:prstGeom prst="rect">
+                <a:avLst/>
+              </a:prstGeom>
+              <a:noFill/>
+            </p:spPr>
+            <p:txBody>
+              <a:bodyPr wrap="square" rtlCol="0">
+                <a:spAutoFit/>
+              </a:bodyPr>
+              <a:lstStyle/>
+              <a:p>
+                <a:r>
+                  <a:rPr lang="zh-CN" altLang="en-US" dirty="0"/>
+                  <a:t>终点</a:t>
+                </a:r>
+              </a:p>
+            </p:txBody>
+          </p:sp>
+        </p:grpSp>
+        <p:grpSp>
+          <p:nvGrpSpPr>
+            <p:cNvPr id="5" name="组合 4"/>
+            <p:cNvGrpSpPr/>
+            <p:nvPr/>
+          </p:nvGrpSpPr>
+          <p:grpSpPr>
+            <a:xfrm>
+              <a:off x="6444478" y="5490205"/>
+              <a:ext cx="1057372" cy="369332"/>
+              <a:chOff x="6444478" y="5490205"/>
+              <a:chExt cx="1057372" cy="369332"/>
+            </a:xfrm>
+          </p:grpSpPr>
+          <p:sp>
+            <p:nvSpPr>
+              <p:cNvPr id="9" name="矩形 8"/>
+              <p:cNvSpPr/>
+              <p:nvPr/>
+            </p:nvSpPr>
+            <p:spPr>
+              <a:xfrm>
+                <a:off x="6444478" y="5551132"/>
+                <a:ext cx="252617" cy="268755"/>
+              </a:xfrm>
+              <a:prstGeom prst="rect">
+                <a:avLst/>
+              </a:prstGeom>
+              <a:solidFill>
+                <a:srgbClr val="4BFD33"/>
+              </a:solidFill>
+              <a:ln>
+                <a:noFill/>
+              </a:ln>
+            </p:spPr>
+            <p:style>
+              <a:lnRef idx="2">
+                <a:schemeClr val="accent1">
+                  <a:shade val="50000"/>
+                </a:schemeClr>
+              </a:lnRef>
+              <a:fillRef idx="1">
+                <a:schemeClr val="accent1"/>
+              </a:fillRef>
+              <a:effectRef idx="0">
+                <a:schemeClr val="accent1"/>
+              </a:effectRef>
+              <a:fontRef idx="minor">
+                <a:schemeClr val="lt1"/>
+              </a:fontRef>
+            </p:style>
+            <p:txBody>
+              <a:bodyPr rtlCol="0" anchor="ctr"/>
+              <a:lstStyle/>
+              <a:p>
+                <a:pPr algn="ctr"/>
+                <a:endParaRPr lang="zh-CN" altLang="en-US"/>
+              </a:p>
+            </p:txBody>
+          </p:sp>
+          <p:sp>
+            <p:nvSpPr>
+              <p:cNvPr id="10" name="文本框 9"/>
+              <p:cNvSpPr txBox="1"/>
+              <p:nvPr/>
+            </p:nvSpPr>
+            <p:spPr>
+              <a:xfrm>
+                <a:off x="6731383" y="5490205"/>
+                <a:ext cx="770467" cy="369332"/>
+              </a:xfrm>
+              <a:prstGeom prst="rect">
+                <a:avLst/>
+              </a:prstGeom>
+              <a:noFill/>
+            </p:spPr>
+            <p:txBody>
+              <a:bodyPr wrap="square" rtlCol="0">
+                <a:spAutoFit/>
+              </a:bodyPr>
+              <a:lstStyle/>
+              <a:p>
+                <a:r>
+                  <a:rPr lang="zh-CN" altLang="en-US" dirty="0" smtClean="0"/>
+                  <a:t>开始</a:t>
+                </a:r>
+                <a:endParaRPr lang="zh-CN" altLang="en-US" dirty="0"/>
+              </a:p>
+            </p:txBody>
+          </p:sp>
+        </p:grpSp>
+        <p:grpSp>
+          <p:nvGrpSpPr>
+            <p:cNvPr id="6" name="组合 5"/>
+            <p:cNvGrpSpPr/>
+            <p:nvPr/>
+          </p:nvGrpSpPr>
+          <p:grpSpPr>
+            <a:xfrm>
+              <a:off x="6444478" y="5991085"/>
+              <a:ext cx="1057372" cy="369332"/>
+              <a:chOff x="6444478" y="5490205"/>
+              <a:chExt cx="1057372" cy="369332"/>
+            </a:xfrm>
+          </p:grpSpPr>
+          <p:sp>
+            <p:nvSpPr>
+              <p:cNvPr id="7" name="矩形 6"/>
+              <p:cNvSpPr/>
+              <p:nvPr/>
+            </p:nvSpPr>
+            <p:spPr>
+              <a:xfrm>
+                <a:off x="6444478" y="5551132"/>
+                <a:ext cx="252617" cy="268755"/>
+              </a:xfrm>
+              <a:prstGeom prst="rect">
+                <a:avLst/>
+              </a:prstGeom>
+              <a:solidFill>
+                <a:srgbClr val="FF0000"/>
+              </a:solidFill>
+              <a:ln>
+                <a:solidFill>
+                  <a:srgbClr val="FF0000"/>
+                </a:solidFill>
+              </a:ln>
+            </p:spPr>
+            <p:style>
+              <a:lnRef idx="2">
+                <a:schemeClr val="accent1">
+                  <a:shade val="50000"/>
+                </a:schemeClr>
+              </a:lnRef>
+              <a:fillRef idx="1">
+                <a:schemeClr val="accent1"/>
+              </a:fillRef>
+              <a:effectRef idx="0">
+                <a:schemeClr val="accent1"/>
+              </a:effectRef>
+              <a:fontRef idx="minor">
+                <a:schemeClr val="lt1"/>
+              </a:fontRef>
+            </p:style>
+            <p:txBody>
+              <a:bodyPr rtlCol="0" anchor="ctr"/>
+              <a:lstStyle/>
+              <a:p>
+                <a:pPr algn="ctr"/>
+                <a:endParaRPr lang="zh-CN" altLang="en-US"/>
+              </a:p>
+            </p:txBody>
+          </p:sp>
+          <p:sp>
+            <p:nvSpPr>
+              <p:cNvPr id="8" name="文本框 7"/>
+              <p:cNvSpPr txBox="1"/>
+              <p:nvPr/>
+            </p:nvSpPr>
+            <p:spPr>
+              <a:xfrm>
+                <a:off x="6731383" y="5490205"/>
+                <a:ext cx="770467" cy="369332"/>
+              </a:xfrm>
+              <a:prstGeom prst="rect">
+                <a:avLst/>
+              </a:prstGeom>
+              <a:noFill/>
+            </p:spPr>
+            <p:txBody>
+              <a:bodyPr wrap="square" rtlCol="0">
+                <a:spAutoFit/>
+              </a:bodyPr>
+              <a:lstStyle/>
+              <a:p>
+                <a:r>
+                  <a:rPr lang="zh-CN" altLang="en-US" dirty="0"/>
+                  <a:t>结束</a:t>
+                </a:r>
+              </a:p>
+            </p:txBody>
+          </p:sp>
+        </p:grpSp>
+      </p:grpSp>
+      <p:sp>
+        <p:nvSpPr>
+          <p:cNvPr id="37" name="AutoShape 2" descr="âå£°é³âçå¾çæç´¢ç»æ"/>
+          <p:cNvSpPr>
+            <a:spLocks noChangeAspect="1" noChangeArrowheads="1"/>
+          </p:cNvSpPr>
+          <p:nvPr/>
+        </p:nvSpPr>
+        <p:spPr bwMode="auto">
+          <a:xfrm>
+            <a:off x="155575" y="-144463"/>
+            <a:ext cx="304800" cy="304801"/>
+          </a:xfrm>
+          <a:prstGeom prst="rect">
+            <a:avLst/>
+          </a:prstGeom>
+          <a:noFill/>
+          <a:extLst>
+            <a:ext uri="{909E8E84-426E-40DD-AFC4-6F175D3DCCD1}">
+              <a14:hiddenFill xmlns:a14="http://schemas.microsoft.com/office/drawing/2010/main">
+                <a:solidFill>
+                  <a:srgbClr val="FFFFFF"/>
+                </a:solidFill>
+              </a14:hiddenFill>
+            </a:ext>
+          </a:extLst>
+        </p:spPr>
+        <p:txBody>
+          <a:bodyPr vert="horz" wrap="square" lIns="91440" tIns="45720" rIns="91440" bIns="45720" numCol="1" anchor="t" anchorCtr="0" compatLnSpc="1">
+            <a:prstTxWarp prst="textNoShape">
+              <a:avLst/>
+            </a:prstTxWarp>
+          </a:bodyPr>
+          <a:lstStyle/>
+          <a:p>
+            <a:endParaRPr lang="zh-CN" altLang="en-US"/>
+          </a:p>
+        </p:txBody>
+      </p:sp>
+      <p:sp>
+        <p:nvSpPr>
+          <p:cNvPr id="38" name="AutoShape 4" descr="âå£°é³âçå¾çæç´¢ç»æ"/>
+          <p:cNvSpPr>
+            <a:spLocks noChangeAspect="1" noChangeArrowheads="1"/>
+          </p:cNvSpPr>
+          <p:nvPr/>
+        </p:nvSpPr>
+        <p:spPr bwMode="auto">
+          <a:xfrm>
+            <a:off x="307975" y="7937"/>
+            <a:ext cx="1293734" cy="1293738"/>
+          </a:xfrm>
+          <a:prstGeom prst="rect">
+            <a:avLst/>
+          </a:prstGeom>
+          <a:noFill/>
+          <a:extLst>
+            <a:ext uri="{909E8E84-426E-40DD-AFC4-6F175D3DCCD1}">
+              <a14:hiddenFill xmlns:a14="http://schemas.microsoft.com/office/drawing/2010/main">
+                <a:solidFill>
+                  <a:srgbClr val="FFFFFF"/>
+                </a:solidFill>
+              </a14:hiddenFill>
+            </a:ext>
+          </a:extLst>
+        </p:spPr>
+        <p:txBody>
+          <a:bodyPr vert="horz" wrap="square" lIns="91440" tIns="45720" rIns="91440" bIns="45720" numCol="1" anchor="t" anchorCtr="0" compatLnSpc="1">
+            <a:prstTxWarp prst="textNoShape">
+              <a:avLst/>
+            </a:prstTxWarp>
+          </a:bodyPr>
+          <a:lstStyle/>
+          <a:p>
+            <a:endParaRPr lang="zh-CN" altLang="en-US"/>
+          </a:p>
+        </p:txBody>
+      </p:sp>
+      <p:pic>
+        <p:nvPicPr>
+          <p:cNvPr id="39" name="图片 38"/>
+          <p:cNvPicPr>
+            <a:picLocks noChangeAspect="1"/>
+          </p:cNvPicPr>
+          <p:nvPr/>
+        </p:nvPicPr>
+        <p:blipFill>
+          <a:blip r:embed="rId2">
+            <a:extLst>
+              <a:ext uri="{28A0092B-C50C-407E-A947-70E740481C1C}">
+                <a14:useLocalDpi xmlns:a14="http://schemas.microsoft.com/office/drawing/2010/main" val="0"/>
+              </a:ext>
+            </a:extLst>
+          </a:blip>
+          <a:stretch>
+            <a:fillRect/>
+          </a:stretch>
+        </p:blipFill>
+        <p:spPr>
+          <a:xfrm>
+            <a:off x="933415" y="4142434"/>
+            <a:ext cx="1522363" cy="1522363"/>
+          </a:xfrm>
+          <a:prstGeom prst="rect">
+            <a:avLst/>
+          </a:prstGeom>
+        </p:spPr>
+      </p:pic>
     </p:spTree>
     <p:extLst>
       <p:ext uri="{BB962C8B-B14F-4D97-AF65-F5344CB8AC3E}">
-        <p14:creationId xmlns:p14="http://schemas.microsoft.com/office/powerpoint/2010/main" xmlns="" val="1443087586"/>
+        <p14:creationId xmlns:p14="http://schemas.microsoft.com/office/powerpoint/2010/main" val="1443087586"/>
+      </p:ext>
+    </p:extLst>
+  </p:cSld>
+  <p:clrMapOvr>
+    <a:masterClrMapping/>
+  </p:clrMapOvr>
+</p:sld>
+</file>
+
+<file path=ppt/slides/slide4.xml><?xml version="1.0" encoding="utf-8"?>
+<p:sld xmlns:a="http://schemas.openxmlformats.org/drawingml/2006/main" xmlns:r="http://schemas.openxmlformats.org/officeDocument/2006/relationships" xmlns:p="http://schemas.openxmlformats.org/presentationml/2006/main">
+  <p:cSld>
+    <p:spTree>
+      <p:nvGrpSpPr>
+        <p:cNvPr id="1" name=""/>
+        <p:cNvGrpSpPr/>
+        <p:nvPr/>
+      </p:nvGrpSpPr>
+      <p:grpSpPr>
+        <a:xfrm>
+          <a:off x="0" y="0"/>
+          <a:ext cx="0" cy="0"/>
+          <a:chOff x="0" y="0"/>
+          <a:chExt cx="0" cy="0"/>
+        </a:xfrm>
+      </p:grpSpPr>
+    </p:spTree>
+    <p:extLst>
+      <p:ext uri="{BB962C8B-B14F-4D97-AF65-F5344CB8AC3E}">
+        <p14:creationId xmlns:p14="http://schemas.microsoft.com/office/powerpoint/2010/main" val="1114129983"/>
       </p:ext>
     </p:extLst>
   </p:cSld>
@@ -5117,7 +6383,7 @@
   <a:extraClrSchemeLst/>
   <a:extLst>
     <a:ext uri="{05A4C25C-085E-4340-85A3-A5531E510DB2}">
-      <thm15:themeFamily xmlns:thm15="http://schemas.microsoft.com/office/thememl/2012/main" xmlns="" name="Office Theme" id="{62F939B6-93AF-4DB8-9C6B-D6C7DFDC589F}" vid="{4A3C46E8-61CC-4603-A589-7422A47A8E4A}"/>
+      <thm15:themeFamily xmlns:thm15="http://schemas.microsoft.com/office/thememl/2012/main" name="Office Theme" id="{62F939B6-93AF-4DB8-9C6B-D6C7DFDC589F}" vid="{4A3C46E8-61CC-4603-A589-7422A47A8E4A}"/>
     </a:ext>
   </a:extLst>
 </a:theme>

--- a/preparation/grip_instruction.pptx
+++ b/preparation/grip_instruction.pptx
@@ -8,7 +8,6 @@
     <p:sldId id="259" r:id="rId2"/>
     <p:sldId id="260" r:id="rId3"/>
     <p:sldId id="261" r:id="rId4"/>
-    <p:sldId id="262" r:id="rId5"/>
   </p:sldIdLst>
   <p:sldSz cx="12192000" cy="6858000"/>
   <p:notesSz cx="6858000" cy="9144000"/>
@@ -258,7 +257,7 @@
             <a:fld id="{56141764-9FAB-4255-BC50-44FC4EBA4AF3}" type="datetimeFigureOut">
               <a:rPr lang="zh-CN" altLang="en-US" smtClean="0"/>
               <a:pPr/>
-              <a:t>2019/5/21</a:t>
+              <a:t>2019/6/25</a:t>
             </a:fld>
             <a:endParaRPr lang="zh-CN" altLang="en-US"/>
           </a:p>
@@ -430,7 +429,7 @@
             <a:fld id="{56141764-9FAB-4255-BC50-44FC4EBA4AF3}" type="datetimeFigureOut">
               <a:rPr lang="zh-CN" altLang="en-US" smtClean="0"/>
               <a:pPr/>
-              <a:t>2019/5/21</a:t>
+              <a:t>2019/6/25</a:t>
             </a:fld>
             <a:endParaRPr lang="zh-CN" altLang="en-US"/>
           </a:p>
@@ -612,7 +611,7 @@
             <a:fld id="{56141764-9FAB-4255-BC50-44FC4EBA4AF3}" type="datetimeFigureOut">
               <a:rPr lang="zh-CN" altLang="en-US" smtClean="0"/>
               <a:pPr/>
-              <a:t>2019/5/21</a:t>
+              <a:t>2019/6/25</a:t>
             </a:fld>
             <a:endParaRPr lang="zh-CN" altLang="en-US"/>
           </a:p>
@@ -784,7 +783,7 @@
             <a:fld id="{56141764-9FAB-4255-BC50-44FC4EBA4AF3}" type="datetimeFigureOut">
               <a:rPr lang="zh-CN" altLang="en-US" smtClean="0"/>
               <a:pPr/>
-              <a:t>2019/5/21</a:t>
+              <a:t>2019/6/25</a:t>
             </a:fld>
             <a:endParaRPr lang="zh-CN" altLang="en-US"/>
           </a:p>
@@ -1032,7 +1031,7 @@
             <a:fld id="{56141764-9FAB-4255-BC50-44FC4EBA4AF3}" type="datetimeFigureOut">
               <a:rPr lang="zh-CN" altLang="en-US" smtClean="0"/>
               <a:pPr/>
-              <a:t>2019/5/21</a:t>
+              <a:t>2019/6/25</a:t>
             </a:fld>
             <a:endParaRPr lang="zh-CN" altLang="en-US"/>
           </a:p>
@@ -1266,7 +1265,7 @@
             <a:fld id="{56141764-9FAB-4255-BC50-44FC4EBA4AF3}" type="datetimeFigureOut">
               <a:rPr lang="zh-CN" altLang="en-US" smtClean="0"/>
               <a:pPr/>
-              <a:t>2019/5/21</a:t>
+              <a:t>2019/6/25</a:t>
             </a:fld>
             <a:endParaRPr lang="zh-CN" altLang="en-US"/>
           </a:p>
@@ -1635,7 +1634,7 @@
             <a:fld id="{56141764-9FAB-4255-BC50-44FC4EBA4AF3}" type="datetimeFigureOut">
               <a:rPr lang="zh-CN" altLang="en-US" smtClean="0"/>
               <a:pPr/>
-              <a:t>2019/5/21</a:t>
+              <a:t>2019/6/25</a:t>
             </a:fld>
             <a:endParaRPr lang="zh-CN" altLang="en-US"/>
           </a:p>
@@ -1755,7 +1754,7 @@
             <a:fld id="{56141764-9FAB-4255-BC50-44FC4EBA4AF3}" type="datetimeFigureOut">
               <a:rPr lang="zh-CN" altLang="en-US" smtClean="0"/>
               <a:pPr/>
-              <a:t>2019/5/21</a:t>
+              <a:t>2019/6/25</a:t>
             </a:fld>
             <a:endParaRPr lang="zh-CN" altLang="en-US"/>
           </a:p>
@@ -1852,7 +1851,7 @@
             <a:fld id="{56141764-9FAB-4255-BC50-44FC4EBA4AF3}" type="datetimeFigureOut">
               <a:rPr lang="zh-CN" altLang="en-US" smtClean="0"/>
               <a:pPr/>
-              <a:t>2019/5/21</a:t>
+              <a:t>2019/6/25</a:t>
             </a:fld>
             <a:endParaRPr lang="zh-CN" altLang="en-US"/>
           </a:p>
@@ -2131,7 +2130,7 @@
             <a:fld id="{56141764-9FAB-4255-BC50-44FC4EBA4AF3}" type="datetimeFigureOut">
               <a:rPr lang="zh-CN" altLang="en-US" smtClean="0"/>
               <a:pPr/>
-              <a:t>2019/5/21</a:t>
+              <a:t>2019/6/25</a:t>
             </a:fld>
             <a:endParaRPr lang="zh-CN" altLang="en-US"/>
           </a:p>
@@ -2386,7 +2385,7 @@
             <a:fld id="{56141764-9FAB-4255-BC50-44FC4EBA4AF3}" type="datetimeFigureOut">
               <a:rPr lang="zh-CN" altLang="en-US" smtClean="0"/>
               <a:pPr/>
-              <a:t>2019/5/21</a:t>
+              <a:t>2019/6/25</a:t>
             </a:fld>
             <a:endParaRPr lang="zh-CN" altLang="en-US"/>
           </a:p>
@@ -2601,7 +2600,7 @@
             <a:fld id="{56141764-9FAB-4255-BC50-44FC4EBA4AF3}" type="datetimeFigureOut">
               <a:rPr lang="zh-CN" altLang="en-US" smtClean="0"/>
               <a:pPr/>
-              <a:t>2019/5/21</a:t>
+              <a:t>2019/6/25</a:t>
             </a:fld>
             <a:endParaRPr lang="zh-CN" altLang="en-US"/>
           </a:p>
@@ -4723,58 +4722,14 @@
             </a:r>
             <a:r>
               <a:rPr lang="zh-CN" altLang="en-US" sz="2000" dirty="0" smtClean="0"/>
-              <a:t>指示点变为</a:t>
+              <a:t>指示点</a:t>
+            </a:r>
+            <a:r>
+              <a:rPr lang="zh-CN" altLang="en-US" sz="2000" dirty="0" smtClean="0"/>
+              <a:t>变为</a:t>
             </a:r>
             <a:r>
               <a:rPr lang="zh-CN" altLang="en-US" sz="2000" b="1" dirty="0" smtClean="0">
-                <a:solidFill>
-                  <a:srgbClr val="FFC000"/>
-                </a:solidFill>
-              </a:rPr>
-              <a:t>黄色</a:t>
-            </a:r>
-            <a:r>
-              <a:rPr lang="zh-CN" altLang="en-US" sz="2000" dirty="0" smtClean="0"/>
-              <a:t>。此时请准备。然</a:t>
-            </a:r>
-            <a:r>
-              <a:rPr lang="zh-CN" altLang="en-US" sz="2000" dirty="0"/>
-              <a:t>后</a:t>
-            </a:r>
-            <a:r>
-              <a:rPr lang="zh-CN" altLang="en-US" sz="2000" dirty="0" smtClean="0"/>
-              <a:t>第五声</a:t>
-            </a:r>
-            <a:r>
-              <a:rPr lang="zh-CN" altLang="en-US" sz="2000" dirty="0"/>
-              <a:t>节拍</a:t>
-            </a:r>
-            <a:r>
-              <a:rPr lang="zh-CN" altLang="en-US" sz="2000" dirty="0" smtClean="0"/>
-              <a:t>响起时，</a:t>
-            </a:r>
-            <a:r>
-              <a:rPr lang="zh-CN" altLang="en-US" sz="2000" b="1" dirty="0" smtClean="0">
-                <a:solidFill>
-                  <a:srgbClr val="FFC000"/>
-                </a:solidFill>
-              </a:rPr>
-              <a:t>黄色</a:t>
-            </a:r>
-            <a:r>
-              <a:rPr lang="zh-CN" altLang="en-US" sz="2000" dirty="0" smtClean="0"/>
-              <a:t>指</a:t>
-            </a:r>
-            <a:r>
-              <a:rPr lang="zh-CN" altLang="en-US" sz="2000" dirty="0"/>
-              <a:t>示</a:t>
-            </a:r>
-            <a:r>
-              <a:rPr lang="zh-CN" altLang="en-US" sz="2000" dirty="0" smtClean="0"/>
-              <a:t>点同时变为</a:t>
-            </a:r>
-            <a:r>
-              <a:rPr lang="zh-CN" altLang="en-US" sz="2000" b="1" dirty="0">
                 <a:solidFill>
                   <a:srgbClr val="00B050"/>
                 </a:solidFill>
@@ -4787,23 +4742,19 @@
             </a:r>
             <a:r>
               <a:rPr lang="zh-CN" altLang="en-US" sz="2000" dirty="0"/>
-              <a:t>回合正式开始。您需</a:t>
+              <a:t>回合正式开始。您</a:t>
             </a:r>
             <a:r>
               <a:rPr lang="zh-CN" altLang="en-US" sz="2000" dirty="0" smtClean="0"/>
-              <a:t>要指示点变绿、在</a:t>
-            </a:r>
-            <a:r>
-              <a:rPr lang="zh-CN" altLang="en-US" sz="2000" dirty="0"/>
-              <a:t>声音响</a:t>
-            </a:r>
-            <a:r>
-              <a:rPr lang="zh-CN" altLang="en-US" sz="2000" dirty="0" smtClean="0"/>
-              <a:t>起的同时</a:t>
+              <a:t>需要</a:t>
             </a:r>
             <a:r>
               <a:rPr lang="zh-CN" altLang="en-US" sz="2000" b="1" dirty="0" smtClean="0"/>
-              <a:t>开始快速</a:t>
+              <a:t>开始</a:t>
+            </a:r>
+            <a:r>
+              <a:rPr lang="zh-CN" altLang="en-US" sz="2000" b="1" dirty="0" smtClean="0"/>
+              <a:t>快速</a:t>
             </a:r>
             <a:r>
               <a:rPr lang="zh-CN" altLang="en-US" sz="2000" dirty="0" smtClean="0"/>
@@ -4811,31 +4762,75 @@
             </a:r>
             <a:r>
               <a:rPr lang="zh-CN" altLang="en-US" sz="2000" dirty="0"/>
-              <a:t>握力装置，到达指定的“门”内，并且松手返回。待下一次节拍响起时再次</a:t>
+              <a:t>握力装置</a:t>
             </a:r>
             <a:r>
               <a:rPr lang="zh-CN" altLang="en-US" sz="2000" dirty="0" smtClean="0"/>
-              <a:t>握紧移向下</a:t>
+              <a:t>，在下一次节拍响起时控制</a:t>
+            </a:r>
+            <a:r>
+              <a:rPr lang="zh-CN" altLang="en-US" sz="2000" b="1" dirty="0" smtClean="0"/>
+              <a:t>黑色方块</a:t>
+            </a:r>
+            <a:r>
+              <a:rPr lang="zh-CN" altLang="en-US" sz="2000" dirty="0" smtClean="0"/>
+              <a:t>到达</a:t>
             </a:r>
             <a:r>
               <a:rPr lang="zh-CN" altLang="en-US" sz="2000" dirty="0"/>
-              <a:t>一个“门”。请一直保持这种节奏</a:t>
+              <a:t>指定的“门”</a:t>
             </a:r>
             <a:r>
               <a:rPr lang="zh-CN" altLang="en-US" sz="2000" dirty="0" smtClean="0"/>
-              <a:t>。每回合如果</a:t>
+              <a:t>内。然后松手让其返回，待</a:t>
             </a:r>
             <a:r>
               <a:rPr lang="zh-CN" altLang="en-US" sz="2000" dirty="0"/>
-              <a:t>延误超过一个节拍。即使到达门内，该“门”成绩也会判为</a:t>
+              <a:t>下一次节拍响起时再次</a:t>
             </a:r>
             <a:r>
               <a:rPr lang="zh-CN" altLang="en-US" sz="2000" dirty="0" smtClean="0"/>
-              <a:t>错误。</a:t>
+              <a:t>握紧</a:t>
             </a:r>
             <a:r>
               <a:rPr lang="zh-CN" altLang="en-US" sz="2000" dirty="0"/>
-              <a:t>每一个阶段之内节拍不会发生变化</a:t>
+              <a:t>使</a:t>
+            </a:r>
+            <a:r>
+              <a:rPr lang="zh-CN" altLang="en-US" sz="2000" dirty="0" smtClean="0"/>
+              <a:t>其到达</a:t>
+            </a:r>
+            <a:r>
+              <a:rPr lang="zh-CN" altLang="en-US" sz="2000" dirty="0" smtClean="0"/>
+              <a:t>下</a:t>
+            </a:r>
+            <a:r>
+              <a:rPr lang="zh-CN" altLang="en-US" sz="2000" dirty="0"/>
+              <a:t>一个“门”。请一直保持</a:t>
+            </a:r>
+            <a:r>
+              <a:rPr lang="zh-CN" altLang="en-US" sz="2000" dirty="0" smtClean="0"/>
+              <a:t>这种“节拍想起，黑色方块到达门内”的节奏。如果黑色方块没有进入门或者碰到“门框”则记为错误；每次到达时间错过一</a:t>
+            </a:r>
+            <a:r>
+              <a:rPr lang="zh-CN" altLang="en-US" sz="2000" dirty="0"/>
+              <a:t>个</a:t>
+            </a:r>
+            <a:r>
+              <a:rPr lang="zh-CN" altLang="en-US" sz="2000" dirty="0"/>
+              <a:t>节拍，即使到达门</a:t>
+            </a:r>
+            <a:r>
+              <a:rPr lang="zh-CN" altLang="en-US" sz="2000" dirty="0" smtClean="0"/>
+              <a:t>内，也</a:t>
+            </a:r>
+            <a:r>
+              <a:rPr lang="zh-CN" altLang="en-US" sz="2000" dirty="0" smtClean="0"/>
+              <a:t>记为错误。第五道门为终点，到达即可。每</a:t>
+            </a:r>
+            <a:r>
+              <a:rPr lang="zh-CN" altLang="en-US" sz="2000" dirty="0"/>
+              <a:t>一个阶段之内节拍不会发生变化</a:t>
             </a:r>
             <a:r>
               <a:rPr lang="zh-CN" altLang="en-US" sz="2000" dirty="0" smtClean="0"/>
@@ -4847,7 +4842,15 @@
             </a:r>
             <a:r>
               <a:rPr lang="zh-CN" altLang="en-US" sz="2000" dirty="0" smtClean="0"/>
-              <a:t>秒仅播放声音展示节拍快慢。如果节拍延误或过早，都会发生错误。</a:t>
+              <a:t>秒播放</a:t>
+            </a:r>
+            <a:r>
+              <a:rPr lang="zh-CN" altLang="en-US" sz="2000" dirty="0" smtClean="0"/>
+              <a:t>声音展示节拍快慢</a:t>
+            </a:r>
+            <a:r>
+              <a:rPr lang="zh-CN" altLang="en-US" sz="2000" dirty="0" smtClean="0"/>
+              <a:t>。</a:t>
             </a:r>
             <a:endParaRPr lang="zh-CN" altLang="en-US" sz="2000" dirty="0"/>
           </a:p>
@@ -6098,36 +6101,6 @@
 </p:sld>
 </file>
 
-<file path=ppt/slides/slide4.xml><?xml version="1.0" encoding="utf-8"?>
-<p:sld xmlns:a="http://schemas.openxmlformats.org/drawingml/2006/main" xmlns:r="http://schemas.openxmlformats.org/officeDocument/2006/relationships" xmlns:p="http://schemas.openxmlformats.org/presentationml/2006/main">
-  <p:cSld>
-    <p:spTree>
-      <p:nvGrpSpPr>
-        <p:cNvPr id="1" name=""/>
-        <p:cNvGrpSpPr/>
-        <p:nvPr/>
-      </p:nvGrpSpPr>
-      <p:grpSpPr>
-        <a:xfrm>
-          <a:off x="0" y="0"/>
-          <a:ext cx="0" cy="0"/>
-          <a:chOff x="0" y="0"/>
-          <a:chExt cx="0" cy="0"/>
-        </a:xfrm>
-      </p:grpSpPr>
-    </p:spTree>
-    <p:extLst>
-      <p:ext uri="{BB962C8B-B14F-4D97-AF65-F5344CB8AC3E}">
-        <p14:creationId xmlns:p14="http://schemas.microsoft.com/office/powerpoint/2010/main" val="1114129983"/>
-      </p:ext>
-    </p:extLst>
-  </p:cSld>
-  <p:clrMapOvr>
-    <a:masterClrMapping/>
-  </p:clrMapOvr>
-</p:sld>
-</file>
-
 <file path=ppt/theme/theme1.xml><?xml version="1.0" encoding="utf-8"?>
 <a:theme xmlns:a="http://schemas.openxmlformats.org/drawingml/2006/main" name="Office 主题">
   <a:themeElements>

--- a/preparation/grip_instruction.pptx
+++ b/preparation/grip_instruction.pptx
@@ -257,7 +257,7 @@
             <a:fld id="{56141764-9FAB-4255-BC50-44FC4EBA4AF3}" type="datetimeFigureOut">
               <a:rPr lang="zh-CN" altLang="en-US" smtClean="0"/>
               <a:pPr/>
-              <a:t>2019/6/25</a:t>
+              <a:t>2019/6/30</a:t>
             </a:fld>
             <a:endParaRPr lang="zh-CN" altLang="en-US"/>
           </a:p>
@@ -429,7 +429,7 @@
             <a:fld id="{56141764-9FAB-4255-BC50-44FC4EBA4AF3}" type="datetimeFigureOut">
               <a:rPr lang="zh-CN" altLang="en-US" smtClean="0"/>
               <a:pPr/>
-              <a:t>2019/6/25</a:t>
+              <a:t>2019/6/30</a:t>
             </a:fld>
             <a:endParaRPr lang="zh-CN" altLang="en-US"/>
           </a:p>
@@ -611,7 +611,7 @@
             <a:fld id="{56141764-9FAB-4255-BC50-44FC4EBA4AF3}" type="datetimeFigureOut">
               <a:rPr lang="zh-CN" altLang="en-US" smtClean="0"/>
               <a:pPr/>
-              <a:t>2019/6/25</a:t>
+              <a:t>2019/6/30</a:t>
             </a:fld>
             <a:endParaRPr lang="zh-CN" altLang="en-US"/>
           </a:p>
@@ -783,7 +783,7 @@
             <a:fld id="{56141764-9FAB-4255-BC50-44FC4EBA4AF3}" type="datetimeFigureOut">
               <a:rPr lang="zh-CN" altLang="en-US" smtClean="0"/>
               <a:pPr/>
-              <a:t>2019/6/25</a:t>
+              <a:t>2019/6/30</a:t>
             </a:fld>
             <a:endParaRPr lang="zh-CN" altLang="en-US"/>
           </a:p>
@@ -1031,7 +1031,7 @@
             <a:fld id="{56141764-9FAB-4255-BC50-44FC4EBA4AF3}" type="datetimeFigureOut">
               <a:rPr lang="zh-CN" altLang="en-US" smtClean="0"/>
               <a:pPr/>
-              <a:t>2019/6/25</a:t>
+              <a:t>2019/6/30</a:t>
             </a:fld>
             <a:endParaRPr lang="zh-CN" altLang="en-US"/>
           </a:p>
@@ -1265,7 +1265,7 @@
             <a:fld id="{56141764-9FAB-4255-BC50-44FC4EBA4AF3}" type="datetimeFigureOut">
               <a:rPr lang="zh-CN" altLang="en-US" smtClean="0"/>
               <a:pPr/>
-              <a:t>2019/6/25</a:t>
+              <a:t>2019/6/30</a:t>
             </a:fld>
             <a:endParaRPr lang="zh-CN" altLang="en-US"/>
           </a:p>
@@ -1634,7 +1634,7 @@
             <a:fld id="{56141764-9FAB-4255-BC50-44FC4EBA4AF3}" type="datetimeFigureOut">
               <a:rPr lang="zh-CN" altLang="en-US" smtClean="0"/>
               <a:pPr/>
-              <a:t>2019/6/25</a:t>
+              <a:t>2019/6/30</a:t>
             </a:fld>
             <a:endParaRPr lang="zh-CN" altLang="en-US"/>
           </a:p>
@@ -1754,7 +1754,7 @@
             <a:fld id="{56141764-9FAB-4255-BC50-44FC4EBA4AF3}" type="datetimeFigureOut">
               <a:rPr lang="zh-CN" altLang="en-US" smtClean="0"/>
               <a:pPr/>
-              <a:t>2019/6/25</a:t>
+              <a:t>2019/6/30</a:t>
             </a:fld>
             <a:endParaRPr lang="zh-CN" altLang="en-US"/>
           </a:p>
@@ -1851,7 +1851,7 @@
             <a:fld id="{56141764-9FAB-4255-BC50-44FC4EBA4AF3}" type="datetimeFigureOut">
               <a:rPr lang="zh-CN" altLang="en-US" smtClean="0"/>
               <a:pPr/>
-              <a:t>2019/6/25</a:t>
+              <a:t>2019/6/30</a:t>
             </a:fld>
             <a:endParaRPr lang="zh-CN" altLang="en-US"/>
           </a:p>
@@ -2130,7 +2130,7 @@
             <a:fld id="{56141764-9FAB-4255-BC50-44FC4EBA4AF3}" type="datetimeFigureOut">
               <a:rPr lang="zh-CN" altLang="en-US" smtClean="0"/>
               <a:pPr/>
-              <a:t>2019/6/25</a:t>
+              <a:t>2019/6/30</a:t>
             </a:fld>
             <a:endParaRPr lang="zh-CN" altLang="en-US"/>
           </a:p>
@@ -2385,7 +2385,7 @@
             <a:fld id="{56141764-9FAB-4255-BC50-44FC4EBA4AF3}" type="datetimeFigureOut">
               <a:rPr lang="zh-CN" altLang="en-US" smtClean="0"/>
               <a:pPr/>
-              <a:t>2019/6/25</a:t>
+              <a:t>2019/6/30</a:t>
             </a:fld>
             <a:endParaRPr lang="zh-CN" altLang="en-US"/>
           </a:p>
@@ -2600,7 +2600,7 @@
             <a:fld id="{56141764-9FAB-4255-BC50-44FC4EBA4AF3}" type="datetimeFigureOut">
               <a:rPr lang="zh-CN" altLang="en-US" smtClean="0"/>
               <a:pPr/>
-              <a:t>2019/6/25</a:t>
+              <a:t>2019/6/30</a:t>
             </a:fld>
             <a:endParaRPr lang="zh-CN" altLang="en-US"/>
           </a:p>
@@ -4722,11 +4722,7 @@
             </a:r>
             <a:r>
               <a:rPr lang="zh-CN" altLang="en-US" sz="2000" dirty="0" smtClean="0"/>
-              <a:t>指示点</a:t>
-            </a:r>
-            <a:r>
-              <a:rPr lang="zh-CN" altLang="en-US" sz="2000" dirty="0" smtClean="0"/>
-              <a:t>变为</a:t>
+              <a:t>指示点变为</a:t>
             </a:r>
             <a:r>
               <a:rPr lang="zh-CN" altLang="en-US" sz="2000" b="1" dirty="0" smtClean="0">
@@ -4750,11 +4746,7 @@
             </a:r>
             <a:r>
               <a:rPr lang="zh-CN" altLang="en-US" sz="2000" b="1" dirty="0" smtClean="0"/>
-              <a:t>开始</a:t>
-            </a:r>
-            <a:r>
-              <a:rPr lang="zh-CN" altLang="en-US" sz="2000" b="1" dirty="0" smtClean="0"/>
-              <a:t>快速</a:t>
+              <a:t>开始快速</a:t>
             </a:r>
             <a:r>
               <a:rPr lang="zh-CN" altLang="en-US" sz="2000" dirty="0" smtClean="0"/>
@@ -4798,11 +4790,7 @@
             </a:r>
             <a:r>
               <a:rPr lang="zh-CN" altLang="en-US" sz="2000" dirty="0" smtClean="0"/>
-              <a:t>其到达</a:t>
-            </a:r>
-            <a:r>
-              <a:rPr lang="zh-CN" altLang="en-US" sz="2000" dirty="0" smtClean="0"/>
-              <a:t>下</a:t>
+              <a:t>其到达下</a:t>
             </a:r>
             <a:r>
               <a:rPr lang="zh-CN" altLang="en-US" sz="2000" dirty="0"/>
@@ -4814,19 +4802,11 @@
             </a:r>
             <a:r>
               <a:rPr lang="zh-CN" altLang="en-US" sz="2000" dirty="0"/>
-              <a:t>个</a:t>
-            </a:r>
-            <a:r>
-              <a:rPr lang="zh-CN" altLang="en-US" sz="2000" dirty="0"/>
-              <a:t>节拍，即使到达门</a:t>
+              <a:t>个节拍，即使到达门</a:t>
             </a:r>
             <a:r>
               <a:rPr lang="zh-CN" altLang="en-US" sz="2000" dirty="0" smtClean="0"/>
-              <a:t>内，也</a:t>
-            </a:r>
-            <a:r>
-              <a:rPr lang="zh-CN" altLang="en-US" sz="2000" dirty="0" smtClean="0"/>
-              <a:t>记为错误。第五道门为终点，到达即可。每</a:t>
+              <a:t>内，也记为错误。第五道门为终点，到达即可。每</a:t>
             </a:r>
             <a:r>
               <a:rPr lang="zh-CN" altLang="en-US" sz="2000" dirty="0"/>
@@ -4842,15 +4822,7 @@
             </a:r>
             <a:r>
               <a:rPr lang="zh-CN" altLang="en-US" sz="2000" dirty="0" smtClean="0"/>
-              <a:t>秒播放</a:t>
-            </a:r>
-            <a:r>
-              <a:rPr lang="zh-CN" altLang="en-US" sz="2000" dirty="0" smtClean="0"/>
-              <a:t>声音展示节拍快慢</a:t>
-            </a:r>
-            <a:r>
-              <a:rPr lang="zh-CN" altLang="en-US" sz="2000" dirty="0" smtClean="0"/>
-              <a:t>。</a:t>
+              <a:t>秒播放声音展示节拍快慢。</a:t>
             </a:r>
             <a:endParaRPr lang="zh-CN" altLang="en-US" sz="2000" dirty="0"/>
           </a:p>

--- a/preparation/grip_instruction.pptx
+++ b/preparation/grip_instruction.pptx
@@ -257,7 +257,7 @@
             <a:fld id="{56141764-9FAB-4255-BC50-44FC4EBA4AF3}" type="datetimeFigureOut">
               <a:rPr lang="zh-CN" altLang="en-US" smtClean="0"/>
               <a:pPr/>
-              <a:t>2019/6/30</a:t>
+              <a:t>2019/7/30</a:t>
             </a:fld>
             <a:endParaRPr lang="zh-CN" altLang="en-US"/>
           </a:p>
@@ -429,7 +429,7 @@
             <a:fld id="{56141764-9FAB-4255-BC50-44FC4EBA4AF3}" type="datetimeFigureOut">
               <a:rPr lang="zh-CN" altLang="en-US" smtClean="0"/>
               <a:pPr/>
-              <a:t>2019/6/30</a:t>
+              <a:t>2019/7/30</a:t>
             </a:fld>
             <a:endParaRPr lang="zh-CN" altLang="en-US"/>
           </a:p>
@@ -611,7 +611,7 @@
             <a:fld id="{56141764-9FAB-4255-BC50-44FC4EBA4AF3}" type="datetimeFigureOut">
               <a:rPr lang="zh-CN" altLang="en-US" smtClean="0"/>
               <a:pPr/>
-              <a:t>2019/6/30</a:t>
+              <a:t>2019/7/30</a:t>
             </a:fld>
             <a:endParaRPr lang="zh-CN" altLang="en-US"/>
           </a:p>
@@ -783,7 +783,7 @@
             <a:fld id="{56141764-9FAB-4255-BC50-44FC4EBA4AF3}" type="datetimeFigureOut">
               <a:rPr lang="zh-CN" altLang="en-US" smtClean="0"/>
               <a:pPr/>
-              <a:t>2019/6/30</a:t>
+              <a:t>2019/7/30</a:t>
             </a:fld>
             <a:endParaRPr lang="zh-CN" altLang="en-US"/>
           </a:p>
@@ -1031,7 +1031,7 @@
             <a:fld id="{56141764-9FAB-4255-BC50-44FC4EBA4AF3}" type="datetimeFigureOut">
               <a:rPr lang="zh-CN" altLang="en-US" smtClean="0"/>
               <a:pPr/>
-              <a:t>2019/6/30</a:t>
+              <a:t>2019/7/30</a:t>
             </a:fld>
             <a:endParaRPr lang="zh-CN" altLang="en-US"/>
           </a:p>
@@ -1265,7 +1265,7 @@
             <a:fld id="{56141764-9FAB-4255-BC50-44FC4EBA4AF3}" type="datetimeFigureOut">
               <a:rPr lang="zh-CN" altLang="en-US" smtClean="0"/>
               <a:pPr/>
-              <a:t>2019/6/30</a:t>
+              <a:t>2019/7/30</a:t>
             </a:fld>
             <a:endParaRPr lang="zh-CN" altLang="en-US"/>
           </a:p>
@@ -1634,7 +1634,7 @@
             <a:fld id="{56141764-9FAB-4255-BC50-44FC4EBA4AF3}" type="datetimeFigureOut">
               <a:rPr lang="zh-CN" altLang="en-US" smtClean="0"/>
               <a:pPr/>
-              <a:t>2019/6/30</a:t>
+              <a:t>2019/7/30</a:t>
             </a:fld>
             <a:endParaRPr lang="zh-CN" altLang="en-US"/>
           </a:p>
@@ -1754,7 +1754,7 @@
             <a:fld id="{56141764-9FAB-4255-BC50-44FC4EBA4AF3}" type="datetimeFigureOut">
               <a:rPr lang="zh-CN" altLang="en-US" smtClean="0"/>
               <a:pPr/>
-              <a:t>2019/6/30</a:t>
+              <a:t>2019/7/30</a:t>
             </a:fld>
             <a:endParaRPr lang="zh-CN" altLang="en-US"/>
           </a:p>
@@ -1851,7 +1851,7 @@
             <a:fld id="{56141764-9FAB-4255-BC50-44FC4EBA4AF3}" type="datetimeFigureOut">
               <a:rPr lang="zh-CN" altLang="en-US" smtClean="0"/>
               <a:pPr/>
-              <a:t>2019/6/30</a:t>
+              <a:t>2019/7/30</a:t>
             </a:fld>
             <a:endParaRPr lang="zh-CN" altLang="en-US"/>
           </a:p>
@@ -2130,7 +2130,7 @@
             <a:fld id="{56141764-9FAB-4255-BC50-44FC4EBA4AF3}" type="datetimeFigureOut">
               <a:rPr lang="zh-CN" altLang="en-US" smtClean="0"/>
               <a:pPr/>
-              <a:t>2019/6/30</a:t>
+              <a:t>2019/7/30</a:t>
             </a:fld>
             <a:endParaRPr lang="zh-CN" altLang="en-US"/>
           </a:p>
@@ -2385,7 +2385,7 @@
             <a:fld id="{56141764-9FAB-4255-BC50-44FC4EBA4AF3}" type="datetimeFigureOut">
               <a:rPr lang="zh-CN" altLang="en-US" smtClean="0"/>
               <a:pPr/>
-              <a:t>2019/6/30</a:t>
+              <a:t>2019/7/30</a:t>
             </a:fld>
             <a:endParaRPr lang="zh-CN" altLang="en-US"/>
           </a:p>
@@ -2600,7 +2600,7 @@
             <a:fld id="{56141764-9FAB-4255-BC50-44FC4EBA4AF3}" type="datetimeFigureOut">
               <a:rPr lang="zh-CN" altLang="en-US" smtClean="0"/>
               <a:pPr/>
-              <a:t>2019/6/30</a:t>
+              <a:t>2019/7/30</a:t>
             </a:fld>
             <a:endParaRPr lang="zh-CN" altLang="en-US"/>
           </a:p>
